--- a/analysis/Jewelry Sales Data Analysis.pptx
+++ b/analysis/Jewelry Sales Data Analysis.pptx
@@ -121,7 +121,7 @@
   </p:defaultTextStyle>
   <p:extLst>
     <p:ext uri="{EFAFB233-063F-42B5-8137-9DF3F51BA10A}">
-      <p15:sldGuideLst xmlns="" xmlns:p15="http://schemas.microsoft.com/office/powerpoint/2012/main">
+      <p15:sldGuideLst xmlns:p15="http://schemas.microsoft.com/office/powerpoint/2012/main" xmlns="">
         <p15:guide id="1" orient="horz" pos="2160" userDrawn="1">
           <p15:clr>
             <a:srgbClr val="A4A3A4"/>
@@ -224,7 +224,7 @@
             <a:fld id="{B0C20C37-6268-4BE1-95B7-41DA916CA0E8}" type="datetimeFigureOut">
               <a:rPr lang="en-US" smtClean="0"/>
               <a:pPr/>
-              <a:t>3/24/2018</a:t>
+              <a:t>3/26/2018</a:t>
             </a:fld>
             <a:endParaRPr lang="en-US"/>
           </a:p>
@@ -395,7 +395,7 @@
             <a:fld id="{E8D217C7-7C23-4CEF-97E8-79305C870895}" type="datetimeFigureOut">
               <a:rPr lang="en-US" smtClean="0"/>
               <a:pPr/>
-              <a:t>3/24/2018</a:t>
+              <a:t>3/26/2018</a:t>
             </a:fld>
             <a:endParaRPr lang="en-US"/>
           </a:p>
@@ -1020,7 +1020,7 @@
           <a:p>
             <a:fld id="{E02634CC-2454-44D9-B4ED-5AD1308523C3}" type="datetimeFigureOut">
               <a:rPr lang="en-US" smtClean="0"/>
-              <a:t>3/24/2018</a:t>
+              <a:t>3/26/2018</a:t>
             </a:fld>
             <a:endParaRPr lang="en-US"/>
           </a:p>
@@ -1189,7 +1189,7 @@
           <a:p>
             <a:fld id="{E02634CC-2454-44D9-B4ED-5AD1308523C3}" type="datetimeFigureOut">
               <a:rPr lang="en-US" smtClean="0"/>
-              <a:t>3/24/2018</a:t>
+              <a:t>3/26/2018</a:t>
             </a:fld>
             <a:endParaRPr lang="en-US"/>
           </a:p>
@@ -1368,7 +1368,7 @@
           <a:p>
             <a:fld id="{E02634CC-2454-44D9-B4ED-5AD1308523C3}" type="datetimeFigureOut">
               <a:rPr lang="en-US" smtClean="0"/>
-              <a:t>3/24/2018</a:t>
+              <a:t>3/26/2018</a:t>
             </a:fld>
             <a:endParaRPr lang="en-US"/>
           </a:p>
@@ -1537,7 +1537,7 @@
           <a:p>
             <a:fld id="{E02634CC-2454-44D9-B4ED-5AD1308523C3}" type="datetimeFigureOut">
               <a:rPr lang="en-US" smtClean="0"/>
-              <a:t>3/24/2018</a:t>
+              <a:t>3/26/2018</a:t>
             </a:fld>
             <a:endParaRPr lang="en-US"/>
           </a:p>
@@ -1783,7 +1783,7 @@
           <a:p>
             <a:fld id="{E02634CC-2454-44D9-B4ED-5AD1308523C3}" type="datetimeFigureOut">
               <a:rPr lang="en-US" smtClean="0"/>
-              <a:t>3/24/2018</a:t>
+              <a:t>3/26/2018</a:t>
             </a:fld>
             <a:endParaRPr lang="en-US"/>
           </a:p>
@@ -2069,7 +2069,7 @@
           <a:p>
             <a:fld id="{E02634CC-2454-44D9-B4ED-5AD1308523C3}" type="datetimeFigureOut">
               <a:rPr lang="en-US" smtClean="0"/>
-              <a:t>3/24/2018</a:t>
+              <a:t>3/26/2018</a:t>
             </a:fld>
             <a:endParaRPr lang="en-US"/>
           </a:p>
@@ -2489,7 +2489,7 @@
           <a:p>
             <a:fld id="{E02634CC-2454-44D9-B4ED-5AD1308523C3}" type="datetimeFigureOut">
               <a:rPr lang="en-US" smtClean="0"/>
-              <a:t>3/24/2018</a:t>
+              <a:t>3/26/2018</a:t>
             </a:fld>
             <a:endParaRPr lang="en-US"/>
           </a:p>
@@ -2607,7 +2607,7 @@
           <a:p>
             <a:fld id="{E02634CC-2454-44D9-B4ED-5AD1308523C3}" type="datetimeFigureOut">
               <a:rPr lang="en-US" smtClean="0"/>
-              <a:t>3/24/2018</a:t>
+              <a:t>3/26/2018</a:t>
             </a:fld>
             <a:endParaRPr lang="en-US"/>
           </a:p>
@@ -2703,7 +2703,7 @@
           <a:p>
             <a:fld id="{E02634CC-2454-44D9-B4ED-5AD1308523C3}" type="datetimeFigureOut">
               <a:rPr lang="en-US" smtClean="0"/>
-              <a:t>3/24/2018</a:t>
+              <a:t>3/26/2018</a:t>
             </a:fld>
             <a:endParaRPr lang="en-US"/>
           </a:p>
@@ -2979,7 +2979,7 @@
           <a:p>
             <a:fld id="{E02634CC-2454-44D9-B4ED-5AD1308523C3}" type="datetimeFigureOut">
               <a:rPr lang="en-US" smtClean="0"/>
-              <a:t>3/24/2018</a:t>
+              <a:t>3/26/2018</a:t>
             </a:fld>
             <a:endParaRPr lang="en-US"/>
           </a:p>
@@ -3232,7 +3232,7 @@
           <a:p>
             <a:fld id="{E02634CC-2454-44D9-B4ED-5AD1308523C3}" type="datetimeFigureOut">
               <a:rPr lang="en-US" smtClean="0"/>
-              <a:t>3/24/2018</a:t>
+              <a:t>3/26/2018</a:t>
             </a:fld>
             <a:endParaRPr lang="en-US"/>
           </a:p>
@@ -3444,7 +3444,7 @@
           <a:p>
             <a:fld id="{E02634CC-2454-44D9-B4ED-5AD1308523C3}" type="datetimeFigureOut">
               <a:rPr lang="en-US" smtClean="0"/>
-              <a:t>3/24/2018</a:t>
+              <a:t>3/26/2018</a:t>
             </a:fld>
             <a:endParaRPr lang="en-US"/>
           </a:p>
@@ -4115,7 +4115,7 @@
           </a:prstGeom>
           <a:extLst>
             <a:ext uri="{C572A759-6A51-4108-AA02-DFA0A04FC94B}">
-              <ma14:wrappingTextBoxFlag xmlns="" xmlns:ma14="http://schemas.microsoft.com/office/mac/drawingml/2011/main" val="1"/>
+              <ma14:wrappingTextBoxFlag xmlns:ma14="http://schemas.microsoft.com/office/mac/drawingml/2011/main" xmlns="" val="1"/>
             </a:ext>
           </a:extLst>
         </p:spPr>
@@ -10076,7 +10076,7 @@
           </a:prstGeom>
           <a:extLst>
             <a:ext uri="{C572A759-6A51-4108-AA02-DFA0A04FC94B}">
-              <ma14:wrappingTextBoxFlag xmlns="" xmlns:ma14="http://schemas.microsoft.com/office/mac/drawingml/2011/main" val="1"/>
+              <ma14:wrappingTextBoxFlag xmlns:ma14="http://schemas.microsoft.com/office/mac/drawingml/2011/main" xmlns="" val="1"/>
             </a:ext>
           </a:extLst>
         </p:spPr>
@@ -10403,7 +10403,7 @@
           </a:prstGeom>
           <a:extLst>
             <a:ext uri="{C572A759-6A51-4108-AA02-DFA0A04FC94B}">
-              <ma14:wrappingTextBoxFlag xmlns="" xmlns:ma14="http://schemas.microsoft.com/office/mac/drawingml/2011/main" val="1"/>
+              <ma14:wrappingTextBoxFlag xmlns:ma14="http://schemas.microsoft.com/office/mac/drawingml/2011/main" xmlns="" val="1"/>
             </a:ext>
           </a:extLst>
         </p:spPr>
@@ -10652,7 +10652,7 @@
           </a:prstGeom>
           <a:extLst>
             <a:ext uri="{C572A759-6A51-4108-AA02-DFA0A04FC94B}">
-              <ma14:wrappingTextBoxFlag xmlns="" xmlns:ma14="http://schemas.microsoft.com/office/mac/drawingml/2011/main" val="1"/>
+              <ma14:wrappingTextBoxFlag xmlns:ma14="http://schemas.microsoft.com/office/mac/drawingml/2011/main" xmlns="" val="1"/>
             </a:ext>
           </a:extLst>
         </p:spPr>
@@ -10760,18 +10760,7 @@
                 </a:solidFill>
                 <a:latin typeface="+mj-lt"/>
               </a:rPr>
-              <a:t>Sales Change from previous </a:t>
-            </a:r>
-            <a:r>
-              <a:rPr lang="en-US" sz="2400" b="1" cap="all" spc="168" dirty="0" smtClean="0">
-                <a:solidFill>
-                  <a:srgbClr val="000000">
-                    <a:alpha val="80000"/>
-                  </a:srgbClr>
-                </a:solidFill>
-                <a:latin typeface="+mj-lt"/>
-              </a:rPr>
-              <a:t>month </a:t>
+              <a:t>Sales Change from previous month </a:t>
             </a:r>
             <a:r>
               <a:rPr lang="en-US" b="1" cap="all" spc="168" dirty="0" smtClean="0">
@@ -10831,8 +10820,8 @@
           </a:extLst>
         </p:spPr>
       </p:pic>
-      <mc:AlternateContent xmlns:mc="http://schemas.openxmlformats.org/markup-compatibility/2006">
-        <mc:Choice xmlns:a14="http://schemas.microsoft.com/office/drawing/2010/main" Requires="a14">
+      <mc:AlternateContent xmlns:mc="http://schemas.openxmlformats.org/markup-compatibility/2006" xmlns:a14="http://schemas.microsoft.com/office/drawing/2010/main">
+        <mc:Choice Requires="a14">
           <p:sp>
             <p:nvSpPr>
               <p:cNvPr id="3" name="TextBox 2"/>
@@ -11030,7 +11019,7 @@
             </p:txBody>
           </p:sp>
         </mc:Choice>
-        <mc:Fallback>
+        <mc:Fallback xmlns="">
           <p:sp>
             <p:nvSpPr>
               <p:cNvPr id="3" name="TextBox 2"/>
@@ -11127,7 +11116,7 @@
           </a:prstGeom>
           <a:extLst>
             <a:ext uri="{C572A759-6A51-4108-AA02-DFA0A04FC94B}">
-              <ma14:wrappingTextBoxFlag xmlns="" xmlns:ma14="http://schemas.microsoft.com/office/mac/drawingml/2011/main" val="1"/>
+              <ma14:wrappingTextBoxFlag xmlns:ma14="http://schemas.microsoft.com/office/mac/drawingml/2011/main" xmlns="" val="1"/>
             </a:ext>
           </a:extLst>
         </p:spPr>
@@ -12014,8 +12003,8 @@
           </a:p>
         </p:txBody>
       </p:sp>
-      <mc:AlternateContent xmlns:mc="http://schemas.openxmlformats.org/markup-compatibility/2006">
-        <mc:Choice xmlns:a14="http://schemas.microsoft.com/office/drawing/2010/main" Requires="a14">
+      <mc:AlternateContent xmlns:mc="http://schemas.openxmlformats.org/markup-compatibility/2006" xmlns:a14="http://schemas.microsoft.com/office/drawing/2010/main">
+        <mc:Choice Requires="a14">
           <p:sp>
             <p:nvSpPr>
               <p:cNvPr id="22" name="TextBox 21"/>
@@ -12038,6 +12027,7 @@
               </a:bodyPr>
               <a:lstStyle/>
               <a:p>
+                <a:pPr/>
                 <a14:m>
                   <m:oMathPara xmlns:m="http://schemas.openxmlformats.org/officeDocument/2006/math">
                     <m:oMathParaPr>
@@ -12202,7 +12192,7 @@
             </p:txBody>
           </p:sp>
         </mc:Choice>
-        <mc:Fallback>
+        <mc:Fallback xmlns="">
           <p:sp>
             <p:nvSpPr>
               <p:cNvPr id="22" name="TextBox 21"/>
@@ -12340,7 +12330,7 @@
           </a:prstGeom>
           <a:extLst>
             <a:ext uri="{C572A759-6A51-4108-AA02-DFA0A04FC94B}">
-              <ma14:wrappingTextBoxFlag xmlns="" xmlns:ma14="http://schemas.microsoft.com/office/mac/drawingml/2011/main" val="1"/>
+              <ma14:wrappingTextBoxFlag xmlns:ma14="http://schemas.microsoft.com/office/mac/drawingml/2011/main" xmlns="" val="1"/>
             </a:ext>
           </a:extLst>
         </p:spPr>
@@ -12467,8 +12457,8 @@
           </a:p>
         </p:txBody>
       </p:sp>
-      <mc:AlternateContent xmlns:mc="http://schemas.openxmlformats.org/markup-compatibility/2006">
-        <mc:Choice xmlns:a14="http://schemas.microsoft.com/office/drawing/2010/main" Requires="a14">
+      <mc:AlternateContent xmlns:mc="http://schemas.openxmlformats.org/markup-compatibility/2006" xmlns:a14="http://schemas.microsoft.com/office/drawing/2010/main">
+        <mc:Choice Requires="a14">
           <p:sp>
             <p:nvSpPr>
               <p:cNvPr id="22" name="TextBox 21"/>
@@ -12611,7 +12601,7 @@
             </p:txBody>
           </p:sp>
         </mc:Choice>
-        <mc:Fallback>
+        <mc:Fallback xmlns="">
           <p:sp>
             <p:nvSpPr>
               <p:cNvPr id="22" name="TextBox 21"/>
@@ -12701,7 +12691,7 @@
           </a:prstGeom>
           <a:extLst>
             <a:ext uri="{C572A759-6A51-4108-AA02-DFA0A04FC94B}">
-              <ma14:wrappingTextBoxFlag xmlns="" xmlns:ma14="http://schemas.microsoft.com/office/mac/drawingml/2011/main" val="1"/>
+              <ma14:wrappingTextBoxFlag xmlns:ma14="http://schemas.microsoft.com/office/mac/drawingml/2011/main" xmlns="" val="1"/>
             </a:ext>
           </a:extLst>
         </p:spPr>
@@ -13165,8 +13155,8 @@
         </p:nvSpPr>
         <p:spPr>
           <a:xfrm>
-            <a:off x="3501904" y="3124172"/>
-            <a:ext cx="1670587" cy="830997"/>
+            <a:off x="3501903" y="3261963"/>
+            <a:ext cx="1670587" cy="461665"/>
           </a:xfrm>
           <a:prstGeom prst="rect">
             <a:avLst/>
@@ -13187,17 +13177,7 @@
               </a:rPr>
               <a:t>Observed</a:t>
             </a:r>
-          </a:p>
-          <a:p>
-            <a:r>
-              <a:rPr lang="en-US" sz="2400" dirty="0" smtClean="0">
-                <a:solidFill>
-                  <a:srgbClr val="FF9900"/>
-                </a:solidFill>
-              </a:rPr>
-              <a:t>Clustering</a:t>
-            </a:r>
-            <a:endParaRPr lang="en-US" sz="2400" dirty="0">
+            <a:endParaRPr lang="en-US" sz="2400" dirty="0" smtClean="0">
               <a:solidFill>
                 <a:srgbClr val="FF9900"/>
               </a:solidFill>
@@ -13403,7 +13383,7 @@
           </a:prstGeom>
           <a:extLst>
             <a:ext uri="{C572A759-6A51-4108-AA02-DFA0A04FC94B}">
-              <ma14:wrappingTextBoxFlag xmlns="" xmlns:ma14="http://schemas.microsoft.com/office/mac/drawingml/2011/main" val="1"/>
+              <ma14:wrappingTextBoxFlag xmlns:ma14="http://schemas.microsoft.com/office/mac/drawingml/2011/main" xmlns="" val="1"/>
             </a:ext>
           </a:extLst>
         </p:spPr>
@@ -13900,7 +13880,7 @@
           </a:prstGeom>
           <a:extLst>
             <a:ext uri="{C572A759-6A51-4108-AA02-DFA0A04FC94B}">
-              <ma14:wrappingTextBoxFlag xmlns="" xmlns:ma14="http://schemas.microsoft.com/office/mac/drawingml/2011/main" val="1"/>
+              <ma14:wrappingTextBoxFlag xmlns:ma14="http://schemas.microsoft.com/office/mac/drawingml/2011/main" xmlns="" val="1"/>
             </a:ext>
           </a:extLst>
         </p:spPr>
